--- a/ppt 16-9/0913.圣徒相通歌.pptx
+++ b/ppt 16-9/0913.圣徒相通歌.pptx
@@ -5,7 +5,7 @@
     <p:sldMasterId id="2147483648" r:id="rId1"/>
   </p:sldMasterIdLst>
   <p:sldIdLst>
-    <p:sldId id="272" r:id="rId2"/>
+    <p:sldId id="274" r:id="rId2"/>
   </p:sldIdLst>
   <p:sldSz cx="12192000" cy="6858000"/>
   <p:notesSz cx="6858000" cy="9144000"/>
@@ -129,7 +129,7 @@
           <p:cNvPr id="2" name="标题 1">
             <a:extLst>
               <a:ext uri="{FF2B5EF4-FFF2-40B4-BE49-F238E27FC236}">
-                <a16:creationId xmlns:a16="http://schemas.microsoft.com/office/drawing/2014/main" id="{486D17FB-AC3C-7661-6B21-3418334572D3}"/>
+                <a16:creationId xmlns:a16="http://schemas.microsoft.com/office/drawing/2014/main" id="{ED40A117-79CC-A2AE-CEAB-FEE7085946F6}"/>
               </a:ext>
             </a:extLst>
           </p:cNvPr>
@@ -166,7 +166,7 @@
           <p:cNvPr id="3" name="副标题 2">
             <a:extLst>
               <a:ext uri="{FF2B5EF4-FFF2-40B4-BE49-F238E27FC236}">
-                <a16:creationId xmlns:a16="http://schemas.microsoft.com/office/drawing/2014/main" id="{53295702-1BC2-BB10-2880-7D3A8213112E}"/>
+                <a16:creationId xmlns:a16="http://schemas.microsoft.com/office/drawing/2014/main" id="{6E9558A1-478A-C537-D818-91FCB8FF02D6}"/>
               </a:ext>
             </a:extLst>
           </p:cNvPr>
@@ -236,7 +236,7 @@
           <p:cNvPr id="4" name="日期占位符 3">
             <a:extLst>
               <a:ext uri="{FF2B5EF4-FFF2-40B4-BE49-F238E27FC236}">
-                <a16:creationId xmlns:a16="http://schemas.microsoft.com/office/drawing/2014/main" id="{B00E2D2F-BAB8-FE97-8472-C6476C929C82}"/>
+                <a16:creationId xmlns:a16="http://schemas.microsoft.com/office/drawing/2014/main" id="{FE0F1EA8-19C4-C271-6CB7-1C0DE405D564}"/>
               </a:ext>
             </a:extLst>
           </p:cNvPr>
@@ -252,7 +252,7 @@
           <a:bodyPr/>
           <a:lstStyle/>
           <a:p>
-            <a:fld id="{F6B7C715-9A78-486A-B398-CBF53CCBE633}" type="datetimeFigureOut">
+            <a:fld id="{32151953-7D5F-40CD-8459-2C38BBE947AC}" type="datetimeFigureOut">
               <a:rPr lang="zh-CN" altLang="en-US" smtClean="0"/>
               <a:t>2024/3/10</a:t>
             </a:fld>
@@ -265,7 +265,7 @@
           <p:cNvPr id="5" name="页脚占位符 4">
             <a:extLst>
               <a:ext uri="{FF2B5EF4-FFF2-40B4-BE49-F238E27FC236}">
-                <a16:creationId xmlns:a16="http://schemas.microsoft.com/office/drawing/2014/main" id="{E44CF31B-FD50-73EB-58F2-080F0D05F0C7}"/>
+                <a16:creationId xmlns:a16="http://schemas.microsoft.com/office/drawing/2014/main" id="{8FE83078-1AC2-FE3C-5127-BFFA87B43390}"/>
               </a:ext>
             </a:extLst>
           </p:cNvPr>
@@ -290,7 +290,7 @@
           <p:cNvPr id="6" name="灯片编号占位符 5">
             <a:extLst>
               <a:ext uri="{FF2B5EF4-FFF2-40B4-BE49-F238E27FC236}">
-                <a16:creationId xmlns:a16="http://schemas.microsoft.com/office/drawing/2014/main" id="{33F12031-B24D-F617-8E8C-28B2B7ADBBF4}"/>
+                <a16:creationId xmlns:a16="http://schemas.microsoft.com/office/drawing/2014/main" id="{93237846-F15D-26D2-EFF5-20411D4C73BF}"/>
               </a:ext>
             </a:extLst>
           </p:cNvPr>
@@ -306,7 +306,7 @@
           <a:bodyPr/>
           <a:lstStyle/>
           <a:p>
-            <a:fld id="{171175E1-FD9C-4B9E-BA98-1EE8DD388269}" type="slidenum">
+            <a:fld id="{48E6C557-397D-4B6C-BC5B-A4688534DDCF}" type="slidenum">
               <a:rPr lang="zh-CN" altLang="en-US" smtClean="0"/>
               <a:t>‹#›</a:t>
             </a:fld>
@@ -317,7 +317,7 @@
     </p:spTree>
     <p:extLst>
       <p:ext uri="{BB962C8B-B14F-4D97-AF65-F5344CB8AC3E}">
-        <p14:creationId xmlns:p14="http://schemas.microsoft.com/office/powerpoint/2010/main" val="340426497"/>
+        <p14:creationId xmlns:p14="http://schemas.microsoft.com/office/powerpoint/2010/main" val="75347381"/>
       </p:ext>
     </p:extLst>
   </p:cSld>
@@ -349,7 +349,7 @@
           <p:cNvPr id="2" name="标题 1">
             <a:extLst>
               <a:ext uri="{FF2B5EF4-FFF2-40B4-BE49-F238E27FC236}">
-                <a16:creationId xmlns:a16="http://schemas.microsoft.com/office/drawing/2014/main" id="{7CF5A374-BE7E-552F-7222-FA41287A3AC1}"/>
+                <a16:creationId xmlns:a16="http://schemas.microsoft.com/office/drawing/2014/main" id="{042402D4-DC31-616E-4761-C5EB1216FED6}"/>
               </a:ext>
             </a:extLst>
           </p:cNvPr>
@@ -377,7 +377,7 @@
           <p:cNvPr id="3" name="竖排文字占位符 2">
             <a:extLst>
               <a:ext uri="{FF2B5EF4-FFF2-40B4-BE49-F238E27FC236}">
-                <a16:creationId xmlns:a16="http://schemas.microsoft.com/office/drawing/2014/main" id="{5F6DD0A3-586F-168D-1961-1588A143F177}"/>
+                <a16:creationId xmlns:a16="http://schemas.microsoft.com/office/drawing/2014/main" id="{716DE8C6-15BF-D8FF-5710-E4B7EFF47B7E}"/>
               </a:ext>
             </a:extLst>
           </p:cNvPr>
@@ -434,7 +434,7 @@
           <p:cNvPr id="4" name="日期占位符 3">
             <a:extLst>
               <a:ext uri="{FF2B5EF4-FFF2-40B4-BE49-F238E27FC236}">
-                <a16:creationId xmlns:a16="http://schemas.microsoft.com/office/drawing/2014/main" id="{3339AA43-8E1E-B189-F52C-F74E39015C9F}"/>
+                <a16:creationId xmlns:a16="http://schemas.microsoft.com/office/drawing/2014/main" id="{6E634103-9B38-4083-9974-6107E2ED1866}"/>
               </a:ext>
             </a:extLst>
           </p:cNvPr>
@@ -450,7 +450,7 @@
           <a:bodyPr/>
           <a:lstStyle/>
           <a:p>
-            <a:fld id="{F6B7C715-9A78-486A-B398-CBF53CCBE633}" type="datetimeFigureOut">
+            <a:fld id="{32151953-7D5F-40CD-8459-2C38BBE947AC}" type="datetimeFigureOut">
               <a:rPr lang="zh-CN" altLang="en-US" smtClean="0"/>
               <a:t>2024/3/10</a:t>
             </a:fld>
@@ -463,7 +463,7 @@
           <p:cNvPr id="5" name="页脚占位符 4">
             <a:extLst>
               <a:ext uri="{FF2B5EF4-FFF2-40B4-BE49-F238E27FC236}">
-                <a16:creationId xmlns:a16="http://schemas.microsoft.com/office/drawing/2014/main" id="{47A30230-A5EC-E91C-3AC3-3008ECFE2DF5}"/>
+                <a16:creationId xmlns:a16="http://schemas.microsoft.com/office/drawing/2014/main" id="{5AA8AEF0-6661-33F5-7C78-9CDDA27C0E00}"/>
               </a:ext>
             </a:extLst>
           </p:cNvPr>
@@ -488,7 +488,7 @@
           <p:cNvPr id="6" name="灯片编号占位符 5">
             <a:extLst>
               <a:ext uri="{FF2B5EF4-FFF2-40B4-BE49-F238E27FC236}">
-                <a16:creationId xmlns:a16="http://schemas.microsoft.com/office/drawing/2014/main" id="{8318E1FB-EC61-87E1-BEC8-ADA3338CFFA6}"/>
+                <a16:creationId xmlns:a16="http://schemas.microsoft.com/office/drawing/2014/main" id="{C6E0BF97-1DA3-EB6A-A954-68FF2750A6F8}"/>
               </a:ext>
             </a:extLst>
           </p:cNvPr>
@@ -504,7 +504,7 @@
           <a:bodyPr/>
           <a:lstStyle/>
           <a:p>
-            <a:fld id="{171175E1-FD9C-4B9E-BA98-1EE8DD388269}" type="slidenum">
+            <a:fld id="{48E6C557-397D-4B6C-BC5B-A4688534DDCF}" type="slidenum">
               <a:rPr lang="zh-CN" altLang="en-US" smtClean="0"/>
               <a:t>‹#›</a:t>
             </a:fld>
@@ -515,7 +515,7 @@
     </p:spTree>
     <p:extLst>
       <p:ext uri="{BB962C8B-B14F-4D97-AF65-F5344CB8AC3E}">
-        <p14:creationId xmlns:p14="http://schemas.microsoft.com/office/powerpoint/2010/main" val="4240288103"/>
+        <p14:creationId xmlns:p14="http://schemas.microsoft.com/office/powerpoint/2010/main" val="1969140355"/>
       </p:ext>
     </p:extLst>
   </p:cSld>
@@ -547,7 +547,7 @@
           <p:cNvPr id="2" name="竖排标题 1">
             <a:extLst>
               <a:ext uri="{FF2B5EF4-FFF2-40B4-BE49-F238E27FC236}">
-                <a16:creationId xmlns:a16="http://schemas.microsoft.com/office/drawing/2014/main" id="{8C40DB7F-BF71-400B-239A-B2E5F9FBEAC5}"/>
+                <a16:creationId xmlns:a16="http://schemas.microsoft.com/office/drawing/2014/main" id="{EF3B8305-7992-C3D5-C10D-6546287BEC64}"/>
               </a:ext>
             </a:extLst>
           </p:cNvPr>
@@ -580,7 +580,7 @@
           <p:cNvPr id="3" name="竖排文字占位符 2">
             <a:extLst>
               <a:ext uri="{FF2B5EF4-FFF2-40B4-BE49-F238E27FC236}">
-                <a16:creationId xmlns:a16="http://schemas.microsoft.com/office/drawing/2014/main" id="{BE69AAAF-4AA9-56A5-04A0-1B1295349BC3}"/>
+                <a16:creationId xmlns:a16="http://schemas.microsoft.com/office/drawing/2014/main" id="{90844E3D-C600-33B7-AA64-E7446F004FCA}"/>
               </a:ext>
             </a:extLst>
           </p:cNvPr>
@@ -642,7 +642,7 @@
           <p:cNvPr id="4" name="日期占位符 3">
             <a:extLst>
               <a:ext uri="{FF2B5EF4-FFF2-40B4-BE49-F238E27FC236}">
-                <a16:creationId xmlns:a16="http://schemas.microsoft.com/office/drawing/2014/main" id="{39D13DFD-432E-15B9-EFC6-298A69318E60}"/>
+                <a16:creationId xmlns:a16="http://schemas.microsoft.com/office/drawing/2014/main" id="{C314C5EE-6ACC-4F5D-258C-9C82DFBEFD2E}"/>
               </a:ext>
             </a:extLst>
           </p:cNvPr>
@@ -658,7 +658,7 @@
           <a:bodyPr/>
           <a:lstStyle/>
           <a:p>
-            <a:fld id="{F6B7C715-9A78-486A-B398-CBF53CCBE633}" type="datetimeFigureOut">
+            <a:fld id="{32151953-7D5F-40CD-8459-2C38BBE947AC}" type="datetimeFigureOut">
               <a:rPr lang="zh-CN" altLang="en-US" smtClean="0"/>
               <a:t>2024/3/10</a:t>
             </a:fld>
@@ -671,7 +671,7 @@
           <p:cNvPr id="5" name="页脚占位符 4">
             <a:extLst>
               <a:ext uri="{FF2B5EF4-FFF2-40B4-BE49-F238E27FC236}">
-                <a16:creationId xmlns:a16="http://schemas.microsoft.com/office/drawing/2014/main" id="{49724CAD-A810-C2AB-3AA6-7B37EC15C92E}"/>
+                <a16:creationId xmlns:a16="http://schemas.microsoft.com/office/drawing/2014/main" id="{13BBFC00-D363-0F0D-C2D5-6E742EA40F67}"/>
               </a:ext>
             </a:extLst>
           </p:cNvPr>
@@ -696,7 +696,7 @@
           <p:cNvPr id="6" name="灯片编号占位符 5">
             <a:extLst>
               <a:ext uri="{FF2B5EF4-FFF2-40B4-BE49-F238E27FC236}">
-                <a16:creationId xmlns:a16="http://schemas.microsoft.com/office/drawing/2014/main" id="{BAE2F659-4D30-46B3-CEF9-2C3C988CA311}"/>
+                <a16:creationId xmlns:a16="http://schemas.microsoft.com/office/drawing/2014/main" id="{4548C1C9-63E7-497A-80B3-13FE46D09E1B}"/>
               </a:ext>
             </a:extLst>
           </p:cNvPr>
@@ -712,7 +712,7 @@
           <a:bodyPr/>
           <a:lstStyle/>
           <a:p>
-            <a:fld id="{171175E1-FD9C-4B9E-BA98-1EE8DD388269}" type="slidenum">
+            <a:fld id="{48E6C557-397D-4B6C-BC5B-A4688534DDCF}" type="slidenum">
               <a:rPr lang="zh-CN" altLang="en-US" smtClean="0"/>
               <a:t>‹#›</a:t>
             </a:fld>
@@ -723,7 +723,7 @@
     </p:spTree>
     <p:extLst>
       <p:ext uri="{BB962C8B-B14F-4D97-AF65-F5344CB8AC3E}">
-        <p14:creationId xmlns:p14="http://schemas.microsoft.com/office/powerpoint/2010/main" val="3038567365"/>
+        <p14:creationId xmlns:p14="http://schemas.microsoft.com/office/powerpoint/2010/main" val="1875259592"/>
       </p:ext>
     </p:extLst>
   </p:cSld>
@@ -755,7 +755,7 @@
           <p:cNvPr id="2" name="标题 1">
             <a:extLst>
               <a:ext uri="{FF2B5EF4-FFF2-40B4-BE49-F238E27FC236}">
-                <a16:creationId xmlns:a16="http://schemas.microsoft.com/office/drawing/2014/main" id="{94868FD9-2A8A-FF0F-C180-C18E0C37CFB7}"/>
+                <a16:creationId xmlns:a16="http://schemas.microsoft.com/office/drawing/2014/main" id="{D7B0B28E-389C-2300-BA18-03A41376BF26}"/>
               </a:ext>
             </a:extLst>
           </p:cNvPr>
@@ -783,7 +783,7 @@
           <p:cNvPr id="3" name="内容占位符 2">
             <a:extLst>
               <a:ext uri="{FF2B5EF4-FFF2-40B4-BE49-F238E27FC236}">
-                <a16:creationId xmlns:a16="http://schemas.microsoft.com/office/drawing/2014/main" id="{4B672DDE-CB8A-C012-19D5-7F6A56641577}"/>
+                <a16:creationId xmlns:a16="http://schemas.microsoft.com/office/drawing/2014/main" id="{50AF36F4-BE76-7043-1D34-EEF21D8F7894}"/>
               </a:ext>
             </a:extLst>
           </p:cNvPr>
@@ -840,7 +840,7 @@
           <p:cNvPr id="4" name="日期占位符 3">
             <a:extLst>
               <a:ext uri="{FF2B5EF4-FFF2-40B4-BE49-F238E27FC236}">
-                <a16:creationId xmlns:a16="http://schemas.microsoft.com/office/drawing/2014/main" id="{68AF40ED-6F34-18D9-C6B8-53841EF6900E}"/>
+                <a16:creationId xmlns:a16="http://schemas.microsoft.com/office/drawing/2014/main" id="{DE8B9FF5-B40F-E6A8-F36B-415FAE251401}"/>
               </a:ext>
             </a:extLst>
           </p:cNvPr>
@@ -856,7 +856,7 @@
           <a:bodyPr/>
           <a:lstStyle/>
           <a:p>
-            <a:fld id="{F6B7C715-9A78-486A-B398-CBF53CCBE633}" type="datetimeFigureOut">
+            <a:fld id="{32151953-7D5F-40CD-8459-2C38BBE947AC}" type="datetimeFigureOut">
               <a:rPr lang="zh-CN" altLang="en-US" smtClean="0"/>
               <a:t>2024/3/10</a:t>
             </a:fld>
@@ -869,7 +869,7 @@
           <p:cNvPr id="5" name="页脚占位符 4">
             <a:extLst>
               <a:ext uri="{FF2B5EF4-FFF2-40B4-BE49-F238E27FC236}">
-                <a16:creationId xmlns:a16="http://schemas.microsoft.com/office/drawing/2014/main" id="{9BE04CC4-4011-905C-B159-2F249913B132}"/>
+                <a16:creationId xmlns:a16="http://schemas.microsoft.com/office/drawing/2014/main" id="{131C2B93-C48C-D87F-1C81-2AC180D21E11}"/>
               </a:ext>
             </a:extLst>
           </p:cNvPr>
@@ -894,7 +894,7 @@
           <p:cNvPr id="6" name="灯片编号占位符 5">
             <a:extLst>
               <a:ext uri="{FF2B5EF4-FFF2-40B4-BE49-F238E27FC236}">
-                <a16:creationId xmlns:a16="http://schemas.microsoft.com/office/drawing/2014/main" id="{04ABCBB4-8A33-6DA0-79F8-B90FD5A035DA}"/>
+                <a16:creationId xmlns:a16="http://schemas.microsoft.com/office/drawing/2014/main" id="{4BB25E20-9805-888E-9141-47F6FADD5F17}"/>
               </a:ext>
             </a:extLst>
           </p:cNvPr>
@@ -910,7 +910,7 @@
           <a:bodyPr/>
           <a:lstStyle/>
           <a:p>
-            <a:fld id="{171175E1-FD9C-4B9E-BA98-1EE8DD388269}" type="slidenum">
+            <a:fld id="{48E6C557-397D-4B6C-BC5B-A4688534DDCF}" type="slidenum">
               <a:rPr lang="zh-CN" altLang="en-US" smtClean="0"/>
               <a:t>‹#›</a:t>
             </a:fld>
@@ -921,7 +921,7 @@
     </p:spTree>
     <p:extLst>
       <p:ext uri="{BB962C8B-B14F-4D97-AF65-F5344CB8AC3E}">
-        <p14:creationId xmlns:p14="http://schemas.microsoft.com/office/powerpoint/2010/main" val="2349784793"/>
+        <p14:creationId xmlns:p14="http://schemas.microsoft.com/office/powerpoint/2010/main" val="796437081"/>
       </p:ext>
     </p:extLst>
   </p:cSld>
@@ -953,7 +953,7 @@
           <p:cNvPr id="2" name="标题 1">
             <a:extLst>
               <a:ext uri="{FF2B5EF4-FFF2-40B4-BE49-F238E27FC236}">
-                <a16:creationId xmlns:a16="http://schemas.microsoft.com/office/drawing/2014/main" id="{087AAA8A-4A27-6B3E-CCF5-7F85D32F7591}"/>
+                <a16:creationId xmlns:a16="http://schemas.microsoft.com/office/drawing/2014/main" id="{D6B9689B-B96B-B2EA-8B1A-D7B7E6A419DF}"/>
               </a:ext>
             </a:extLst>
           </p:cNvPr>
@@ -990,7 +990,7 @@
           <p:cNvPr id="3" name="文本占位符 2">
             <a:extLst>
               <a:ext uri="{FF2B5EF4-FFF2-40B4-BE49-F238E27FC236}">
-                <a16:creationId xmlns:a16="http://schemas.microsoft.com/office/drawing/2014/main" id="{0AAC103D-8BA1-D449-7D31-2D992314828F}"/>
+                <a16:creationId xmlns:a16="http://schemas.microsoft.com/office/drawing/2014/main" id="{0E62AE50-EDBA-6636-477D-4E468081A96A}"/>
               </a:ext>
             </a:extLst>
           </p:cNvPr>
@@ -1115,7 +1115,7 @@
           <p:cNvPr id="4" name="日期占位符 3">
             <a:extLst>
               <a:ext uri="{FF2B5EF4-FFF2-40B4-BE49-F238E27FC236}">
-                <a16:creationId xmlns:a16="http://schemas.microsoft.com/office/drawing/2014/main" id="{FE7CB120-BE13-9B5B-8D46-EB858D032F37}"/>
+                <a16:creationId xmlns:a16="http://schemas.microsoft.com/office/drawing/2014/main" id="{114E4F9E-4665-7B6E-4B5C-FB89F0AF8CE5}"/>
               </a:ext>
             </a:extLst>
           </p:cNvPr>
@@ -1131,7 +1131,7 @@
           <a:bodyPr/>
           <a:lstStyle/>
           <a:p>
-            <a:fld id="{F6B7C715-9A78-486A-B398-CBF53CCBE633}" type="datetimeFigureOut">
+            <a:fld id="{32151953-7D5F-40CD-8459-2C38BBE947AC}" type="datetimeFigureOut">
               <a:rPr lang="zh-CN" altLang="en-US" smtClean="0"/>
               <a:t>2024/3/10</a:t>
             </a:fld>
@@ -1144,7 +1144,7 @@
           <p:cNvPr id="5" name="页脚占位符 4">
             <a:extLst>
               <a:ext uri="{FF2B5EF4-FFF2-40B4-BE49-F238E27FC236}">
-                <a16:creationId xmlns:a16="http://schemas.microsoft.com/office/drawing/2014/main" id="{91F5AB3F-CB1A-A57B-4445-C5A8B3DB8F73}"/>
+                <a16:creationId xmlns:a16="http://schemas.microsoft.com/office/drawing/2014/main" id="{50417A46-5B13-63F6-0386-7B91474809B2}"/>
               </a:ext>
             </a:extLst>
           </p:cNvPr>
@@ -1169,7 +1169,7 @@
           <p:cNvPr id="6" name="灯片编号占位符 5">
             <a:extLst>
               <a:ext uri="{FF2B5EF4-FFF2-40B4-BE49-F238E27FC236}">
-                <a16:creationId xmlns:a16="http://schemas.microsoft.com/office/drawing/2014/main" id="{338AB1E6-1DDB-91FB-E049-A5BA4F723107}"/>
+                <a16:creationId xmlns:a16="http://schemas.microsoft.com/office/drawing/2014/main" id="{60574176-FEB9-A706-5456-261EA0AB1433}"/>
               </a:ext>
             </a:extLst>
           </p:cNvPr>
@@ -1185,7 +1185,7 @@
           <a:bodyPr/>
           <a:lstStyle/>
           <a:p>
-            <a:fld id="{171175E1-FD9C-4B9E-BA98-1EE8DD388269}" type="slidenum">
+            <a:fld id="{48E6C557-397D-4B6C-BC5B-A4688534DDCF}" type="slidenum">
               <a:rPr lang="zh-CN" altLang="en-US" smtClean="0"/>
               <a:t>‹#›</a:t>
             </a:fld>
@@ -1196,7 +1196,7 @@
     </p:spTree>
     <p:extLst>
       <p:ext uri="{BB962C8B-B14F-4D97-AF65-F5344CB8AC3E}">
-        <p14:creationId xmlns:p14="http://schemas.microsoft.com/office/powerpoint/2010/main" val="1753985231"/>
+        <p14:creationId xmlns:p14="http://schemas.microsoft.com/office/powerpoint/2010/main" val="1048620766"/>
       </p:ext>
     </p:extLst>
   </p:cSld>
@@ -1228,7 +1228,7 @@
           <p:cNvPr id="2" name="标题 1">
             <a:extLst>
               <a:ext uri="{FF2B5EF4-FFF2-40B4-BE49-F238E27FC236}">
-                <a16:creationId xmlns:a16="http://schemas.microsoft.com/office/drawing/2014/main" id="{0577F50F-B8F8-C7BB-C0FE-71392F2B6003}"/>
+                <a16:creationId xmlns:a16="http://schemas.microsoft.com/office/drawing/2014/main" id="{39A16A29-E740-1AC1-EE15-BC600674FE38}"/>
               </a:ext>
             </a:extLst>
           </p:cNvPr>
@@ -1256,7 +1256,7 @@
           <p:cNvPr id="3" name="内容占位符 2">
             <a:extLst>
               <a:ext uri="{FF2B5EF4-FFF2-40B4-BE49-F238E27FC236}">
-                <a16:creationId xmlns:a16="http://schemas.microsoft.com/office/drawing/2014/main" id="{6620A0C4-167F-1CA8-857C-1E93BDD545F6}"/>
+                <a16:creationId xmlns:a16="http://schemas.microsoft.com/office/drawing/2014/main" id="{A32F55FA-961D-EB04-09CB-796A5F80204F}"/>
               </a:ext>
             </a:extLst>
           </p:cNvPr>
@@ -1318,7 +1318,7 @@
           <p:cNvPr id="4" name="内容占位符 3">
             <a:extLst>
               <a:ext uri="{FF2B5EF4-FFF2-40B4-BE49-F238E27FC236}">
-                <a16:creationId xmlns:a16="http://schemas.microsoft.com/office/drawing/2014/main" id="{23665411-F70C-CF04-3EBD-B67346551B94}"/>
+                <a16:creationId xmlns:a16="http://schemas.microsoft.com/office/drawing/2014/main" id="{B3B098A9-1477-8B30-12CA-4E7482F9445E}"/>
               </a:ext>
             </a:extLst>
           </p:cNvPr>
@@ -1380,7 +1380,7 @@
           <p:cNvPr id="5" name="日期占位符 4">
             <a:extLst>
               <a:ext uri="{FF2B5EF4-FFF2-40B4-BE49-F238E27FC236}">
-                <a16:creationId xmlns:a16="http://schemas.microsoft.com/office/drawing/2014/main" id="{40106F22-590A-A876-12A6-356FE814D043}"/>
+                <a16:creationId xmlns:a16="http://schemas.microsoft.com/office/drawing/2014/main" id="{61646DF5-0190-1A9C-B013-12DBEF2BA452}"/>
               </a:ext>
             </a:extLst>
           </p:cNvPr>
@@ -1396,7 +1396,7 @@
           <a:bodyPr/>
           <a:lstStyle/>
           <a:p>
-            <a:fld id="{F6B7C715-9A78-486A-B398-CBF53CCBE633}" type="datetimeFigureOut">
+            <a:fld id="{32151953-7D5F-40CD-8459-2C38BBE947AC}" type="datetimeFigureOut">
               <a:rPr lang="zh-CN" altLang="en-US" smtClean="0"/>
               <a:t>2024/3/10</a:t>
             </a:fld>
@@ -1409,7 +1409,7 @@
           <p:cNvPr id="6" name="页脚占位符 5">
             <a:extLst>
               <a:ext uri="{FF2B5EF4-FFF2-40B4-BE49-F238E27FC236}">
-                <a16:creationId xmlns:a16="http://schemas.microsoft.com/office/drawing/2014/main" id="{57DE70E5-5DE0-C06D-4176-922D6D8C3DBB}"/>
+                <a16:creationId xmlns:a16="http://schemas.microsoft.com/office/drawing/2014/main" id="{B3F88344-B2EE-992D-C1F6-A9CC4AC0DF73}"/>
               </a:ext>
             </a:extLst>
           </p:cNvPr>
@@ -1434,7 +1434,7 @@
           <p:cNvPr id="7" name="灯片编号占位符 6">
             <a:extLst>
               <a:ext uri="{FF2B5EF4-FFF2-40B4-BE49-F238E27FC236}">
-                <a16:creationId xmlns:a16="http://schemas.microsoft.com/office/drawing/2014/main" id="{1137C037-18AE-AA03-EFF7-8B59EFB34320}"/>
+                <a16:creationId xmlns:a16="http://schemas.microsoft.com/office/drawing/2014/main" id="{6C12304A-D679-4463-93B4-2C7718670F37}"/>
               </a:ext>
             </a:extLst>
           </p:cNvPr>
@@ -1450,7 +1450,7 @@
           <a:bodyPr/>
           <a:lstStyle/>
           <a:p>
-            <a:fld id="{171175E1-FD9C-4B9E-BA98-1EE8DD388269}" type="slidenum">
+            <a:fld id="{48E6C557-397D-4B6C-BC5B-A4688534DDCF}" type="slidenum">
               <a:rPr lang="zh-CN" altLang="en-US" smtClean="0"/>
               <a:t>‹#›</a:t>
             </a:fld>
@@ -1461,7 +1461,7 @@
     </p:spTree>
     <p:extLst>
       <p:ext uri="{BB962C8B-B14F-4D97-AF65-F5344CB8AC3E}">
-        <p14:creationId xmlns:p14="http://schemas.microsoft.com/office/powerpoint/2010/main" val="2389392409"/>
+        <p14:creationId xmlns:p14="http://schemas.microsoft.com/office/powerpoint/2010/main" val="4182939740"/>
       </p:ext>
     </p:extLst>
   </p:cSld>
@@ -1493,7 +1493,7 @@
           <p:cNvPr id="2" name="标题 1">
             <a:extLst>
               <a:ext uri="{FF2B5EF4-FFF2-40B4-BE49-F238E27FC236}">
-                <a16:creationId xmlns:a16="http://schemas.microsoft.com/office/drawing/2014/main" id="{0F7A0706-E145-61B7-E83F-D5DF88835CE1}"/>
+                <a16:creationId xmlns:a16="http://schemas.microsoft.com/office/drawing/2014/main" id="{85D7653C-E57B-BADF-0ADB-4E963F3CB3D3}"/>
               </a:ext>
             </a:extLst>
           </p:cNvPr>
@@ -1526,7 +1526,7 @@
           <p:cNvPr id="3" name="文本占位符 2">
             <a:extLst>
               <a:ext uri="{FF2B5EF4-FFF2-40B4-BE49-F238E27FC236}">
-                <a16:creationId xmlns:a16="http://schemas.microsoft.com/office/drawing/2014/main" id="{7B7F06BE-F941-1168-7C64-FA0B713A64F2}"/>
+                <a16:creationId xmlns:a16="http://schemas.microsoft.com/office/drawing/2014/main" id="{D6A7A112-862C-EE37-A960-8DD4D8BBF328}"/>
               </a:ext>
             </a:extLst>
           </p:cNvPr>
@@ -1597,7 +1597,7 @@
           <p:cNvPr id="4" name="内容占位符 3">
             <a:extLst>
               <a:ext uri="{FF2B5EF4-FFF2-40B4-BE49-F238E27FC236}">
-                <a16:creationId xmlns:a16="http://schemas.microsoft.com/office/drawing/2014/main" id="{F162DDE2-1447-FAD8-4B77-3CD8AA0F2773}"/>
+                <a16:creationId xmlns:a16="http://schemas.microsoft.com/office/drawing/2014/main" id="{D9AB513E-BE2A-3497-12D9-F83AD3528358}"/>
               </a:ext>
             </a:extLst>
           </p:cNvPr>
@@ -1659,7 +1659,7 @@
           <p:cNvPr id="5" name="文本占位符 4">
             <a:extLst>
               <a:ext uri="{FF2B5EF4-FFF2-40B4-BE49-F238E27FC236}">
-                <a16:creationId xmlns:a16="http://schemas.microsoft.com/office/drawing/2014/main" id="{7207F71E-E7C9-8C03-77B1-55F080EFA806}"/>
+                <a16:creationId xmlns:a16="http://schemas.microsoft.com/office/drawing/2014/main" id="{291BF433-B216-62AB-0076-853BB5CFBF3C}"/>
               </a:ext>
             </a:extLst>
           </p:cNvPr>
@@ -1730,7 +1730,7 @@
           <p:cNvPr id="6" name="内容占位符 5">
             <a:extLst>
               <a:ext uri="{FF2B5EF4-FFF2-40B4-BE49-F238E27FC236}">
-                <a16:creationId xmlns:a16="http://schemas.microsoft.com/office/drawing/2014/main" id="{E1AF9BAD-2D7C-B4FA-A126-2E733B8BB054}"/>
+                <a16:creationId xmlns:a16="http://schemas.microsoft.com/office/drawing/2014/main" id="{6329BDDE-F860-E2FC-B2F7-1E3D893F838F}"/>
               </a:ext>
             </a:extLst>
           </p:cNvPr>
@@ -1792,7 +1792,7 @@
           <p:cNvPr id="7" name="日期占位符 6">
             <a:extLst>
               <a:ext uri="{FF2B5EF4-FFF2-40B4-BE49-F238E27FC236}">
-                <a16:creationId xmlns:a16="http://schemas.microsoft.com/office/drawing/2014/main" id="{7A15849D-ED7A-2231-0149-4A1C14E6D559}"/>
+                <a16:creationId xmlns:a16="http://schemas.microsoft.com/office/drawing/2014/main" id="{F81F3204-43A0-8AB8-1AA5-B66B31867D7E}"/>
               </a:ext>
             </a:extLst>
           </p:cNvPr>
@@ -1808,7 +1808,7 @@
           <a:bodyPr/>
           <a:lstStyle/>
           <a:p>
-            <a:fld id="{F6B7C715-9A78-486A-B398-CBF53CCBE633}" type="datetimeFigureOut">
+            <a:fld id="{32151953-7D5F-40CD-8459-2C38BBE947AC}" type="datetimeFigureOut">
               <a:rPr lang="zh-CN" altLang="en-US" smtClean="0"/>
               <a:t>2024/3/10</a:t>
             </a:fld>
@@ -1821,7 +1821,7 @@
           <p:cNvPr id="8" name="页脚占位符 7">
             <a:extLst>
               <a:ext uri="{FF2B5EF4-FFF2-40B4-BE49-F238E27FC236}">
-                <a16:creationId xmlns:a16="http://schemas.microsoft.com/office/drawing/2014/main" id="{AB8698F0-113A-63CD-9327-AAE2991524E0}"/>
+                <a16:creationId xmlns:a16="http://schemas.microsoft.com/office/drawing/2014/main" id="{E6BF55E6-7C06-6F29-D35E-558CEBA5F541}"/>
               </a:ext>
             </a:extLst>
           </p:cNvPr>
@@ -1846,7 +1846,7 @@
           <p:cNvPr id="9" name="灯片编号占位符 8">
             <a:extLst>
               <a:ext uri="{FF2B5EF4-FFF2-40B4-BE49-F238E27FC236}">
-                <a16:creationId xmlns:a16="http://schemas.microsoft.com/office/drawing/2014/main" id="{8730FE2C-2368-9419-FDE7-6BBF0C217BF6}"/>
+                <a16:creationId xmlns:a16="http://schemas.microsoft.com/office/drawing/2014/main" id="{044418C9-4012-249C-BDFD-6BF0B272E5D8}"/>
               </a:ext>
             </a:extLst>
           </p:cNvPr>
@@ -1862,7 +1862,7 @@
           <a:bodyPr/>
           <a:lstStyle/>
           <a:p>
-            <a:fld id="{171175E1-FD9C-4B9E-BA98-1EE8DD388269}" type="slidenum">
+            <a:fld id="{48E6C557-397D-4B6C-BC5B-A4688534DDCF}" type="slidenum">
               <a:rPr lang="zh-CN" altLang="en-US" smtClean="0"/>
               <a:t>‹#›</a:t>
             </a:fld>
@@ -1873,7 +1873,7 @@
     </p:spTree>
     <p:extLst>
       <p:ext uri="{BB962C8B-B14F-4D97-AF65-F5344CB8AC3E}">
-        <p14:creationId xmlns:p14="http://schemas.microsoft.com/office/powerpoint/2010/main" val="3554346897"/>
+        <p14:creationId xmlns:p14="http://schemas.microsoft.com/office/powerpoint/2010/main" val="2781324550"/>
       </p:ext>
     </p:extLst>
   </p:cSld>
@@ -1905,7 +1905,7 @@
           <p:cNvPr id="2" name="标题 1">
             <a:extLst>
               <a:ext uri="{FF2B5EF4-FFF2-40B4-BE49-F238E27FC236}">
-                <a16:creationId xmlns:a16="http://schemas.microsoft.com/office/drawing/2014/main" id="{5E1EC127-E6E8-FA3B-50E3-1E425468DC74}"/>
+                <a16:creationId xmlns:a16="http://schemas.microsoft.com/office/drawing/2014/main" id="{EC0EBE7C-A880-61AA-A483-EF331B549AD0}"/>
               </a:ext>
             </a:extLst>
           </p:cNvPr>
@@ -1933,7 +1933,7 @@
           <p:cNvPr id="3" name="日期占位符 2">
             <a:extLst>
               <a:ext uri="{FF2B5EF4-FFF2-40B4-BE49-F238E27FC236}">
-                <a16:creationId xmlns:a16="http://schemas.microsoft.com/office/drawing/2014/main" id="{AB57B374-896C-DB21-C94C-537AA0C93918}"/>
+                <a16:creationId xmlns:a16="http://schemas.microsoft.com/office/drawing/2014/main" id="{E242460B-2675-2567-CBEA-662D29B29C20}"/>
               </a:ext>
             </a:extLst>
           </p:cNvPr>
@@ -1949,7 +1949,7 @@
           <a:bodyPr/>
           <a:lstStyle/>
           <a:p>
-            <a:fld id="{F6B7C715-9A78-486A-B398-CBF53CCBE633}" type="datetimeFigureOut">
+            <a:fld id="{32151953-7D5F-40CD-8459-2C38BBE947AC}" type="datetimeFigureOut">
               <a:rPr lang="zh-CN" altLang="en-US" smtClean="0"/>
               <a:t>2024/3/10</a:t>
             </a:fld>
@@ -1962,7 +1962,7 @@
           <p:cNvPr id="4" name="页脚占位符 3">
             <a:extLst>
               <a:ext uri="{FF2B5EF4-FFF2-40B4-BE49-F238E27FC236}">
-                <a16:creationId xmlns:a16="http://schemas.microsoft.com/office/drawing/2014/main" id="{E0AF81C5-6355-438C-DEE3-8BF73D4A4BEE}"/>
+                <a16:creationId xmlns:a16="http://schemas.microsoft.com/office/drawing/2014/main" id="{7D59CAA7-DA7C-4857-48E6-3EA6F028552F}"/>
               </a:ext>
             </a:extLst>
           </p:cNvPr>
@@ -1987,7 +1987,7 @@
           <p:cNvPr id="5" name="灯片编号占位符 4">
             <a:extLst>
               <a:ext uri="{FF2B5EF4-FFF2-40B4-BE49-F238E27FC236}">
-                <a16:creationId xmlns:a16="http://schemas.microsoft.com/office/drawing/2014/main" id="{7F27DBC3-A527-98FB-8FDE-A98DD6F5DD43}"/>
+                <a16:creationId xmlns:a16="http://schemas.microsoft.com/office/drawing/2014/main" id="{2C28AFAF-9719-3A1B-9234-EA4383C186E7}"/>
               </a:ext>
             </a:extLst>
           </p:cNvPr>
@@ -2003,7 +2003,7 @@
           <a:bodyPr/>
           <a:lstStyle/>
           <a:p>
-            <a:fld id="{171175E1-FD9C-4B9E-BA98-1EE8DD388269}" type="slidenum">
+            <a:fld id="{48E6C557-397D-4B6C-BC5B-A4688534DDCF}" type="slidenum">
               <a:rPr lang="zh-CN" altLang="en-US" smtClean="0"/>
               <a:t>‹#›</a:t>
             </a:fld>
@@ -2014,7 +2014,7 @@
     </p:spTree>
     <p:extLst>
       <p:ext uri="{BB962C8B-B14F-4D97-AF65-F5344CB8AC3E}">
-        <p14:creationId xmlns:p14="http://schemas.microsoft.com/office/powerpoint/2010/main" val="234475991"/>
+        <p14:creationId xmlns:p14="http://schemas.microsoft.com/office/powerpoint/2010/main" val="3249903525"/>
       </p:ext>
     </p:extLst>
   </p:cSld>
@@ -2046,7 +2046,7 @@
           <p:cNvPr id="2" name="日期占位符 1">
             <a:extLst>
               <a:ext uri="{FF2B5EF4-FFF2-40B4-BE49-F238E27FC236}">
-                <a16:creationId xmlns:a16="http://schemas.microsoft.com/office/drawing/2014/main" id="{AC804961-4F38-FFCE-09CD-A6C62BA4D832}"/>
+                <a16:creationId xmlns:a16="http://schemas.microsoft.com/office/drawing/2014/main" id="{57D405C7-9508-2D9F-1F3A-2295C8EF30A0}"/>
               </a:ext>
             </a:extLst>
           </p:cNvPr>
@@ -2062,7 +2062,7 @@
           <a:bodyPr/>
           <a:lstStyle/>
           <a:p>
-            <a:fld id="{F6B7C715-9A78-486A-B398-CBF53CCBE633}" type="datetimeFigureOut">
+            <a:fld id="{32151953-7D5F-40CD-8459-2C38BBE947AC}" type="datetimeFigureOut">
               <a:rPr lang="zh-CN" altLang="en-US" smtClean="0"/>
               <a:t>2024/3/10</a:t>
             </a:fld>
@@ -2075,7 +2075,7 @@
           <p:cNvPr id="3" name="页脚占位符 2">
             <a:extLst>
               <a:ext uri="{FF2B5EF4-FFF2-40B4-BE49-F238E27FC236}">
-                <a16:creationId xmlns:a16="http://schemas.microsoft.com/office/drawing/2014/main" id="{A0CA517C-B284-D159-61ED-9044A4D7E096}"/>
+                <a16:creationId xmlns:a16="http://schemas.microsoft.com/office/drawing/2014/main" id="{8E2D1049-E107-AA81-484C-D48E0B454B23}"/>
               </a:ext>
             </a:extLst>
           </p:cNvPr>
@@ -2100,7 +2100,7 @@
           <p:cNvPr id="4" name="灯片编号占位符 3">
             <a:extLst>
               <a:ext uri="{FF2B5EF4-FFF2-40B4-BE49-F238E27FC236}">
-                <a16:creationId xmlns:a16="http://schemas.microsoft.com/office/drawing/2014/main" id="{D9F5CA97-F1D7-4E59-5F82-97E2D6AB4FD7}"/>
+                <a16:creationId xmlns:a16="http://schemas.microsoft.com/office/drawing/2014/main" id="{6884E106-8E87-5D1C-0A61-61FDECD08EC5}"/>
               </a:ext>
             </a:extLst>
           </p:cNvPr>
@@ -2116,7 +2116,7 @@
           <a:bodyPr/>
           <a:lstStyle/>
           <a:p>
-            <a:fld id="{171175E1-FD9C-4B9E-BA98-1EE8DD388269}" type="slidenum">
+            <a:fld id="{48E6C557-397D-4B6C-BC5B-A4688534DDCF}" type="slidenum">
               <a:rPr lang="zh-CN" altLang="en-US" smtClean="0"/>
               <a:t>‹#›</a:t>
             </a:fld>
@@ -2127,7 +2127,7 @@
     </p:spTree>
     <p:extLst>
       <p:ext uri="{BB962C8B-B14F-4D97-AF65-F5344CB8AC3E}">
-        <p14:creationId xmlns:p14="http://schemas.microsoft.com/office/powerpoint/2010/main" val="1762452852"/>
+        <p14:creationId xmlns:p14="http://schemas.microsoft.com/office/powerpoint/2010/main" val="2756303030"/>
       </p:ext>
     </p:extLst>
   </p:cSld>
@@ -2159,7 +2159,7 @@
           <p:cNvPr id="2" name="标题 1">
             <a:extLst>
               <a:ext uri="{FF2B5EF4-FFF2-40B4-BE49-F238E27FC236}">
-                <a16:creationId xmlns:a16="http://schemas.microsoft.com/office/drawing/2014/main" id="{DD478D49-6B44-7EDA-B547-6E83FFD966AC}"/>
+                <a16:creationId xmlns:a16="http://schemas.microsoft.com/office/drawing/2014/main" id="{F43B1FFE-25B5-1A00-7153-A0A412C5601B}"/>
               </a:ext>
             </a:extLst>
           </p:cNvPr>
@@ -2196,7 +2196,7 @@
           <p:cNvPr id="3" name="内容占位符 2">
             <a:extLst>
               <a:ext uri="{FF2B5EF4-FFF2-40B4-BE49-F238E27FC236}">
-                <a16:creationId xmlns:a16="http://schemas.microsoft.com/office/drawing/2014/main" id="{EF220689-0CCE-2687-6EF0-8CED55A022AF}"/>
+                <a16:creationId xmlns:a16="http://schemas.microsoft.com/office/drawing/2014/main" id="{09583249-8D19-CA14-9F82-51E33AF037FB}"/>
               </a:ext>
             </a:extLst>
           </p:cNvPr>
@@ -2286,7 +2286,7 @@
           <p:cNvPr id="4" name="文本占位符 3">
             <a:extLst>
               <a:ext uri="{FF2B5EF4-FFF2-40B4-BE49-F238E27FC236}">
-                <a16:creationId xmlns:a16="http://schemas.microsoft.com/office/drawing/2014/main" id="{73DB27A3-79C5-53D1-7CB0-0622BEF7C24E}"/>
+                <a16:creationId xmlns:a16="http://schemas.microsoft.com/office/drawing/2014/main" id="{93BE4045-0DA3-CE4F-00DE-E98D1C267C7D}"/>
               </a:ext>
             </a:extLst>
           </p:cNvPr>
@@ -2357,7 +2357,7 @@
           <p:cNvPr id="5" name="日期占位符 4">
             <a:extLst>
               <a:ext uri="{FF2B5EF4-FFF2-40B4-BE49-F238E27FC236}">
-                <a16:creationId xmlns:a16="http://schemas.microsoft.com/office/drawing/2014/main" id="{0A14ABDA-D30C-7789-AE56-8F7A9CFA9634}"/>
+                <a16:creationId xmlns:a16="http://schemas.microsoft.com/office/drawing/2014/main" id="{BFBEA377-A8C3-7FC0-A44F-8AC4331127DA}"/>
               </a:ext>
             </a:extLst>
           </p:cNvPr>
@@ -2373,7 +2373,7 @@
           <a:bodyPr/>
           <a:lstStyle/>
           <a:p>
-            <a:fld id="{F6B7C715-9A78-486A-B398-CBF53CCBE633}" type="datetimeFigureOut">
+            <a:fld id="{32151953-7D5F-40CD-8459-2C38BBE947AC}" type="datetimeFigureOut">
               <a:rPr lang="zh-CN" altLang="en-US" smtClean="0"/>
               <a:t>2024/3/10</a:t>
             </a:fld>
@@ -2386,7 +2386,7 @@
           <p:cNvPr id="6" name="页脚占位符 5">
             <a:extLst>
               <a:ext uri="{FF2B5EF4-FFF2-40B4-BE49-F238E27FC236}">
-                <a16:creationId xmlns:a16="http://schemas.microsoft.com/office/drawing/2014/main" id="{716FF19F-6F1F-C5E7-E47B-5CBE61D67275}"/>
+                <a16:creationId xmlns:a16="http://schemas.microsoft.com/office/drawing/2014/main" id="{93DE6DF5-AB5F-E14F-15C6-1D48E17BFC0A}"/>
               </a:ext>
             </a:extLst>
           </p:cNvPr>
@@ -2411,7 +2411,7 @@
           <p:cNvPr id="7" name="灯片编号占位符 6">
             <a:extLst>
               <a:ext uri="{FF2B5EF4-FFF2-40B4-BE49-F238E27FC236}">
-                <a16:creationId xmlns:a16="http://schemas.microsoft.com/office/drawing/2014/main" id="{4B5D4AE1-C4EF-9862-4DF2-90698D2905AC}"/>
+                <a16:creationId xmlns:a16="http://schemas.microsoft.com/office/drawing/2014/main" id="{CA9FB107-78A6-6D5F-F19C-2BB3D652B8CF}"/>
               </a:ext>
             </a:extLst>
           </p:cNvPr>
@@ -2427,7 +2427,7 @@
           <a:bodyPr/>
           <a:lstStyle/>
           <a:p>
-            <a:fld id="{171175E1-FD9C-4B9E-BA98-1EE8DD388269}" type="slidenum">
+            <a:fld id="{48E6C557-397D-4B6C-BC5B-A4688534DDCF}" type="slidenum">
               <a:rPr lang="zh-CN" altLang="en-US" smtClean="0"/>
               <a:t>‹#›</a:t>
             </a:fld>
@@ -2438,7 +2438,7 @@
     </p:spTree>
     <p:extLst>
       <p:ext uri="{BB962C8B-B14F-4D97-AF65-F5344CB8AC3E}">
-        <p14:creationId xmlns:p14="http://schemas.microsoft.com/office/powerpoint/2010/main" val="725545015"/>
+        <p14:creationId xmlns:p14="http://schemas.microsoft.com/office/powerpoint/2010/main" val="1919843745"/>
       </p:ext>
     </p:extLst>
   </p:cSld>
@@ -2470,7 +2470,7 @@
           <p:cNvPr id="2" name="标题 1">
             <a:extLst>
               <a:ext uri="{FF2B5EF4-FFF2-40B4-BE49-F238E27FC236}">
-                <a16:creationId xmlns:a16="http://schemas.microsoft.com/office/drawing/2014/main" id="{18BFF879-90DD-470B-4257-A55EC6BC10F2}"/>
+                <a16:creationId xmlns:a16="http://schemas.microsoft.com/office/drawing/2014/main" id="{387756C5-3CB6-E5DF-4F1E-D6F094EBA3DC}"/>
               </a:ext>
             </a:extLst>
           </p:cNvPr>
@@ -2507,7 +2507,7 @@
           <p:cNvPr id="3" name="图片占位符 2">
             <a:extLst>
               <a:ext uri="{FF2B5EF4-FFF2-40B4-BE49-F238E27FC236}">
-                <a16:creationId xmlns:a16="http://schemas.microsoft.com/office/drawing/2014/main" id="{765A0520-F77A-5F43-CCC8-18B305D76CB4}"/>
+                <a16:creationId xmlns:a16="http://schemas.microsoft.com/office/drawing/2014/main" id="{430501B1-44D2-6582-67F6-CD71DF45ABC2}"/>
               </a:ext>
             </a:extLst>
           </p:cNvPr>
@@ -2574,7 +2574,7 @@
           <p:cNvPr id="4" name="文本占位符 3">
             <a:extLst>
               <a:ext uri="{FF2B5EF4-FFF2-40B4-BE49-F238E27FC236}">
-                <a16:creationId xmlns:a16="http://schemas.microsoft.com/office/drawing/2014/main" id="{E8A18C95-2528-F691-3D8C-E3FEB5259EE7}"/>
+                <a16:creationId xmlns:a16="http://schemas.microsoft.com/office/drawing/2014/main" id="{FDEDC1A9-0B77-99B5-9B04-305CA683917A}"/>
               </a:ext>
             </a:extLst>
           </p:cNvPr>
@@ -2645,7 +2645,7 @@
           <p:cNvPr id="5" name="日期占位符 4">
             <a:extLst>
               <a:ext uri="{FF2B5EF4-FFF2-40B4-BE49-F238E27FC236}">
-                <a16:creationId xmlns:a16="http://schemas.microsoft.com/office/drawing/2014/main" id="{8D929EEA-DCFA-2436-1A09-3EC934A371D6}"/>
+                <a16:creationId xmlns:a16="http://schemas.microsoft.com/office/drawing/2014/main" id="{DE9E79E1-8C72-250C-6ACB-6A080F2ADF66}"/>
               </a:ext>
             </a:extLst>
           </p:cNvPr>
@@ -2661,7 +2661,7 @@
           <a:bodyPr/>
           <a:lstStyle/>
           <a:p>
-            <a:fld id="{F6B7C715-9A78-486A-B398-CBF53CCBE633}" type="datetimeFigureOut">
+            <a:fld id="{32151953-7D5F-40CD-8459-2C38BBE947AC}" type="datetimeFigureOut">
               <a:rPr lang="zh-CN" altLang="en-US" smtClean="0"/>
               <a:t>2024/3/10</a:t>
             </a:fld>
@@ -2674,7 +2674,7 @@
           <p:cNvPr id="6" name="页脚占位符 5">
             <a:extLst>
               <a:ext uri="{FF2B5EF4-FFF2-40B4-BE49-F238E27FC236}">
-                <a16:creationId xmlns:a16="http://schemas.microsoft.com/office/drawing/2014/main" id="{88A1B4AF-5626-F64D-7C07-C68433C3D2A9}"/>
+                <a16:creationId xmlns:a16="http://schemas.microsoft.com/office/drawing/2014/main" id="{032202F1-C899-E27F-9021-EEF775D3AC70}"/>
               </a:ext>
             </a:extLst>
           </p:cNvPr>
@@ -2699,7 +2699,7 @@
           <p:cNvPr id="7" name="灯片编号占位符 6">
             <a:extLst>
               <a:ext uri="{FF2B5EF4-FFF2-40B4-BE49-F238E27FC236}">
-                <a16:creationId xmlns:a16="http://schemas.microsoft.com/office/drawing/2014/main" id="{017BE08E-83DE-E793-E06E-FF449AF72BEA}"/>
+                <a16:creationId xmlns:a16="http://schemas.microsoft.com/office/drawing/2014/main" id="{2099F66B-4DE0-5D25-CF01-47FC8D2554A0}"/>
               </a:ext>
             </a:extLst>
           </p:cNvPr>
@@ -2715,7 +2715,7 @@
           <a:bodyPr/>
           <a:lstStyle/>
           <a:p>
-            <a:fld id="{171175E1-FD9C-4B9E-BA98-1EE8DD388269}" type="slidenum">
+            <a:fld id="{48E6C557-397D-4B6C-BC5B-A4688534DDCF}" type="slidenum">
               <a:rPr lang="zh-CN" altLang="en-US" smtClean="0"/>
               <a:t>‹#›</a:t>
             </a:fld>
@@ -2726,7 +2726,7 @@
     </p:spTree>
     <p:extLst>
       <p:ext uri="{BB962C8B-B14F-4D97-AF65-F5344CB8AC3E}">
-        <p14:creationId xmlns:p14="http://schemas.microsoft.com/office/powerpoint/2010/main" val="4266821166"/>
+        <p14:creationId xmlns:p14="http://schemas.microsoft.com/office/powerpoint/2010/main" val="2868779388"/>
       </p:ext>
     </p:extLst>
   </p:cSld>
@@ -2763,7 +2763,7 @@
           <p:cNvPr id="2" name="标题占位符 1">
             <a:extLst>
               <a:ext uri="{FF2B5EF4-FFF2-40B4-BE49-F238E27FC236}">
-                <a16:creationId xmlns:a16="http://schemas.microsoft.com/office/drawing/2014/main" id="{546E697E-6A2F-9576-36D9-F417EC76B4A4}"/>
+                <a16:creationId xmlns:a16="http://schemas.microsoft.com/office/drawing/2014/main" id="{44277163-C3D2-E3C2-888B-493043D7708E}"/>
               </a:ext>
             </a:extLst>
           </p:cNvPr>
@@ -2801,7 +2801,7 @@
           <p:cNvPr id="3" name="文本占位符 2">
             <a:extLst>
               <a:ext uri="{FF2B5EF4-FFF2-40B4-BE49-F238E27FC236}">
-                <a16:creationId xmlns:a16="http://schemas.microsoft.com/office/drawing/2014/main" id="{14B9C757-0064-DCFD-9FDD-45B490518A3F}"/>
+                <a16:creationId xmlns:a16="http://schemas.microsoft.com/office/drawing/2014/main" id="{8C56DDB0-52A3-0C09-DD73-D3F15C1CDCB0}"/>
               </a:ext>
             </a:extLst>
           </p:cNvPr>
@@ -2868,7 +2868,7 @@
           <p:cNvPr id="4" name="日期占位符 3">
             <a:extLst>
               <a:ext uri="{FF2B5EF4-FFF2-40B4-BE49-F238E27FC236}">
-                <a16:creationId xmlns:a16="http://schemas.microsoft.com/office/drawing/2014/main" id="{B6D71F12-B605-6C08-F19B-A2D3714A991B}"/>
+                <a16:creationId xmlns:a16="http://schemas.microsoft.com/office/drawing/2014/main" id="{DB08D2FC-50D7-B647-5897-292103B7CDAB}"/>
               </a:ext>
             </a:extLst>
           </p:cNvPr>
@@ -2902,7 +2902,7 @@
             </a:lvl1pPr>
           </a:lstStyle>
           <a:p>
-            <a:fld id="{F6B7C715-9A78-486A-B398-CBF53CCBE633}" type="datetimeFigureOut">
+            <a:fld id="{32151953-7D5F-40CD-8459-2C38BBE947AC}" type="datetimeFigureOut">
               <a:rPr lang="zh-CN" altLang="en-US" smtClean="0"/>
               <a:t>2024/3/10</a:t>
             </a:fld>
@@ -2915,7 +2915,7 @@
           <p:cNvPr id="5" name="页脚占位符 4">
             <a:extLst>
               <a:ext uri="{FF2B5EF4-FFF2-40B4-BE49-F238E27FC236}">
-                <a16:creationId xmlns:a16="http://schemas.microsoft.com/office/drawing/2014/main" id="{B39422BA-B93D-5C95-F837-626C1776E5C6}"/>
+                <a16:creationId xmlns:a16="http://schemas.microsoft.com/office/drawing/2014/main" id="{90DEE7EC-0E6C-502D-60FB-42F23977B267}"/>
               </a:ext>
             </a:extLst>
           </p:cNvPr>
@@ -2958,7 +2958,7 @@
           <p:cNvPr id="6" name="灯片编号占位符 5">
             <a:extLst>
               <a:ext uri="{FF2B5EF4-FFF2-40B4-BE49-F238E27FC236}">
-                <a16:creationId xmlns:a16="http://schemas.microsoft.com/office/drawing/2014/main" id="{AB882066-7DEB-9BCE-FFF4-4276B68AB7F0}"/>
+                <a16:creationId xmlns:a16="http://schemas.microsoft.com/office/drawing/2014/main" id="{AA97277D-AC6B-F933-65A9-9F91A7E608B8}"/>
               </a:ext>
             </a:extLst>
           </p:cNvPr>
@@ -2992,7 +2992,7 @@
             </a:lvl1pPr>
           </a:lstStyle>
           <a:p>
-            <a:fld id="{171175E1-FD9C-4B9E-BA98-1EE8DD388269}" type="slidenum">
+            <a:fld id="{48E6C557-397D-4B6C-BC5B-A4688534DDCF}" type="slidenum">
               <a:rPr lang="zh-CN" altLang="en-US" smtClean="0"/>
               <a:t>‹#›</a:t>
             </a:fld>
@@ -3003,7 +3003,7 @@
     </p:spTree>
     <p:extLst>
       <p:ext uri="{BB962C8B-B14F-4D97-AF65-F5344CB8AC3E}">
-        <p14:creationId xmlns:p14="http://schemas.microsoft.com/office/powerpoint/2010/main" val="1553329841"/>
+        <p14:creationId xmlns:p14="http://schemas.microsoft.com/office/powerpoint/2010/main" val="3637075506"/>
       </p:ext>
     </p:extLst>
   </p:cSld>
@@ -3323,7 +3323,7 @@
       </p:grpSpPr>
       <p:pic>
         <p:nvPicPr>
-          <p:cNvPr id="934914" name="Picture 2" descr="912"/>
+          <p:cNvPr id="935938" name="Picture 2" descr="913"/>
           <p:cNvPicPr>
             <a:picLocks noChangeAspect="1" noChangeArrowheads="1"/>
           </p:cNvPicPr>
@@ -3345,7 +3345,7 @@
         <p:spPr bwMode="auto">
           <a:xfrm>
             <a:off x="1524000" y="0"/>
-            <a:ext cx="9144000" cy="6859588"/>
+            <a:ext cx="9144000" cy="6858000"/>
           </a:xfrm>
           <a:prstGeom prst="rect">
             <a:avLst/>
